--- a/week09/day05/demo/ppt-w09.pptx
+++ b/week09/day05/demo/ppt-w09.pptx
@@ -5,15 +5,19 @@
     <p:sldMasterId id="2147483672" r:id="rId1"/>
   </p:sldMasterIdLst>
   <p:notesMasterIdLst>
-    <p:notesMasterId r:id="rId8"/>
+    <p:notesMasterId r:id="rId12"/>
   </p:notesMasterIdLst>
   <p:sldIdLst>
     <p:sldId id="256" r:id="rId2"/>
     <p:sldId id="257" r:id="rId3"/>
-    <p:sldId id="258" r:id="rId4"/>
+    <p:sldId id="263" r:id="rId4"/>
     <p:sldId id="259" r:id="rId5"/>
-    <p:sldId id="260" r:id="rId6"/>
-    <p:sldId id="261" r:id="rId7"/>
+    <p:sldId id="264" r:id="rId6"/>
+    <p:sldId id="262" r:id="rId7"/>
+    <p:sldId id="265" r:id="rId8"/>
+    <p:sldId id="266" r:id="rId9"/>
+    <p:sldId id="267" r:id="rId10"/>
+    <p:sldId id="261" r:id="rId11"/>
   </p:sldIdLst>
   <p:sldSz cx="9144000" cy="6858000" type="screen4x3"/>
   <p:notesSz cx="6858000" cy="9144000"/>
@@ -4201,11 +4205,20 @@
         </p:nvSpPr>
         <p:spPr/>
         <p:txBody>
-          <a:bodyPr/>
+          <a:bodyPr>
+            <a:normAutofit/>
+          </a:bodyPr>
           <a:lstStyle/>
           <a:p>
             <a:pPr algn="ctr"/>
-            <a:endParaRPr lang="en-GB" dirty="0">
+            <a:r>
+              <a:rPr lang="hu-HU" sz="6000" dirty="0">
+                <a:latin typeface="Helvetica" panose="020B0604020202020204" pitchFamily="34" charset="0"/>
+                <a:cs typeface="Helvetica" panose="020B0604020202020204" pitchFamily="34" charset="0"/>
+              </a:rPr>
+              <a:t>Making a small Todo app and upgrading it with Bootstrap</a:t>
+            </a:r>
+            <a:endParaRPr lang="en-GB" sz="6000" dirty="0">
               <a:latin typeface="Helvetica" panose="020B0604020202020204" pitchFamily="34" charset="0"/>
               <a:cs typeface="Helvetica" panose="020B0604020202020204" pitchFamily="34" charset="0"/>
             </a:endParaRPr>
@@ -4337,6 +4350,159 @@
     <p:extLst>
       <p:ext uri="{BB962C8B-B14F-4D97-AF65-F5344CB8AC3E}">
         <p14:creationId xmlns:p14="http://schemas.microsoft.com/office/powerpoint/2010/main" val="4129701815"/>
+      </p:ext>
+    </p:extLst>
+  </p:cSld>
+  <p:clrMapOvr>
+    <a:masterClrMapping/>
+  </p:clrMapOvr>
+</p:sld>
+</file>
+
+<file path=ppt/slides/slide10.xml><?xml version="1.0" encoding="utf-8"?>
+<p:sld xmlns:a="http://schemas.openxmlformats.org/drawingml/2006/main" xmlns:r="http://schemas.openxmlformats.org/officeDocument/2006/relationships" xmlns:p="http://schemas.openxmlformats.org/presentationml/2006/main">
+  <p:cSld>
+    <p:spTree>
+      <p:nvGrpSpPr>
+        <p:cNvPr id="1" name=""/>
+        <p:cNvGrpSpPr/>
+        <p:nvPr/>
+      </p:nvGrpSpPr>
+      <p:grpSpPr>
+        <a:xfrm>
+          <a:off x="0" y="0"/>
+          <a:ext cx="0" cy="0"/>
+          <a:chOff x="0" y="0"/>
+          <a:chExt cx="0" cy="0"/>
+        </a:xfrm>
+      </p:grpSpPr>
+      <p:sp>
+        <p:nvSpPr>
+          <p:cNvPr id="2" name="Cím 1">
+            <a:extLst>
+              <a:ext uri="{FF2B5EF4-FFF2-40B4-BE49-F238E27FC236}">
+                <a16:creationId xmlns:a16="http://schemas.microsoft.com/office/drawing/2014/main" id="{15895508-08D8-4699-AB8D-645D11345FAB}"/>
+              </a:ext>
+            </a:extLst>
+          </p:cNvPr>
+          <p:cNvSpPr>
+            <a:spLocks noGrp="1"/>
+          </p:cNvSpPr>
+          <p:nvPr>
+            <p:ph type="ctrTitle"/>
+          </p:nvPr>
+        </p:nvSpPr>
+        <p:spPr/>
+        <p:txBody>
+          <a:bodyPr>
+            <a:normAutofit/>
+          </a:bodyPr>
+          <a:lstStyle/>
+          <a:p>
+            <a:pPr algn="ctr"/>
+            <a:r>
+              <a:rPr lang="hu-HU" sz="6000" dirty="0">
+                <a:latin typeface="Comic Sans MS" panose="030F0702030302020204" pitchFamily="66" charset="0"/>
+                <a:cs typeface="Helvetica" panose="020B0604020202020204" pitchFamily="34" charset="0"/>
+              </a:rPr>
+              <a:t>Thanks for the attention!</a:t>
+            </a:r>
+            <a:endParaRPr lang="en-GB" sz="6000" dirty="0">
+              <a:latin typeface="Comic Sans MS" panose="030F0702030302020204" pitchFamily="66" charset="0"/>
+              <a:cs typeface="Helvetica" panose="020B0604020202020204" pitchFamily="34" charset="0"/>
+            </a:endParaRPr>
+          </a:p>
+        </p:txBody>
+      </p:sp>
+      <p:sp>
+        <p:nvSpPr>
+          <p:cNvPr id="4" name="Dátum helye 3">
+            <a:extLst>
+              <a:ext uri="{FF2B5EF4-FFF2-40B4-BE49-F238E27FC236}">
+                <a16:creationId xmlns:a16="http://schemas.microsoft.com/office/drawing/2014/main" id="{AAAEAB81-C74B-4297-88C7-2F65112F7BFD}"/>
+              </a:ext>
+            </a:extLst>
+          </p:cNvPr>
+          <p:cNvSpPr>
+            <a:spLocks noGrp="1"/>
+          </p:cNvSpPr>
+          <p:nvPr>
+            <p:ph type="dt" sz="half" idx="10"/>
+          </p:nvPr>
+        </p:nvSpPr>
+        <p:spPr/>
+        <p:txBody>
+          <a:bodyPr/>
+          <a:lstStyle/>
+          <a:p>
+            <a:r>
+              <a:rPr lang="en-GB"/>
+              <a:t>10/11/2017</a:t>
+            </a:r>
+          </a:p>
+        </p:txBody>
+      </p:sp>
+      <p:sp>
+        <p:nvSpPr>
+          <p:cNvPr id="5" name="Élőláb helye 4">
+            <a:extLst>
+              <a:ext uri="{FF2B5EF4-FFF2-40B4-BE49-F238E27FC236}">
+                <a16:creationId xmlns:a16="http://schemas.microsoft.com/office/drawing/2014/main" id="{D4AF9263-4C44-4548-B3D2-C4BBC53A33D4}"/>
+              </a:ext>
+            </a:extLst>
+          </p:cNvPr>
+          <p:cNvSpPr>
+            <a:spLocks noGrp="1"/>
+          </p:cNvSpPr>
+          <p:nvPr>
+            <p:ph type="ftr" sz="quarter" idx="11"/>
+          </p:nvPr>
+        </p:nvSpPr>
+        <p:spPr/>
+        <p:txBody>
+          <a:bodyPr/>
+          <a:lstStyle/>
+          <a:p>
+            <a:r>
+              <a:rPr lang="en-GB"/>
+              <a:t>Boldizsár Kiss</a:t>
+            </a:r>
+          </a:p>
+        </p:txBody>
+      </p:sp>
+      <p:sp>
+        <p:nvSpPr>
+          <p:cNvPr id="6" name="Dia számának helye 5">
+            <a:extLst>
+              <a:ext uri="{FF2B5EF4-FFF2-40B4-BE49-F238E27FC236}">
+                <a16:creationId xmlns:a16="http://schemas.microsoft.com/office/drawing/2014/main" id="{54AE2EE5-086B-4120-A7A6-DB22ECFCE7E8}"/>
+              </a:ext>
+            </a:extLst>
+          </p:cNvPr>
+          <p:cNvSpPr>
+            <a:spLocks noGrp="1"/>
+          </p:cNvSpPr>
+          <p:nvPr>
+            <p:ph type="sldNum" sz="quarter" idx="12"/>
+          </p:nvPr>
+        </p:nvSpPr>
+        <p:spPr/>
+        <p:txBody>
+          <a:bodyPr/>
+          <a:lstStyle/>
+          <a:p>
+            <a:fld id="{5829821E-BD30-46A1-96CA-CB2E0BA9CE27}" type="slidenum">
+              <a:rPr lang="en-GB" smtClean="0"/>
+              <a:t>10</a:t>
+            </a:fld>
+            <a:endParaRPr lang="en-GB"/>
+          </a:p>
+        </p:txBody>
+      </p:sp>
+    </p:spTree>
+    <p:extLst>
+      <p:ext uri="{BB962C8B-B14F-4D97-AF65-F5344CB8AC3E}">
+        <p14:creationId xmlns:p14="http://schemas.microsoft.com/office/powerpoint/2010/main" val="3775272780"/>
       </p:ext>
     </p:extLst>
   </p:cSld>
@@ -4384,6 +4550,13 @@
           <a:bodyPr/>
           <a:lstStyle/>
           <a:p>
+            <a:r>
+              <a:rPr lang="hu-HU" dirty="0">
+                <a:latin typeface="Helvetica" panose="020B0604020202020204" pitchFamily="34" charset="0"/>
+                <a:cs typeface="Helvetica" panose="020B0604020202020204" pitchFamily="34" charset="0"/>
+              </a:rPr>
+              <a:t>Last week: Todo app</a:t>
+            </a:r>
             <a:endParaRPr lang="en-GB" dirty="0">
               <a:latin typeface="Helvetica" panose="020B0604020202020204" pitchFamily="34" charset="0"/>
               <a:cs typeface="Helvetica" panose="020B0604020202020204" pitchFamily="34" charset="0"/>
@@ -4391,37 +4564,38 @@
           </a:p>
         </p:txBody>
       </p:sp>
-      <p:sp>
-        <p:nvSpPr>
-          <p:cNvPr id="3" name="Tartalom helye 2">
+      <p:pic>
+        <p:nvPicPr>
+          <p:cNvPr id="7" name="Tartalom helye 6">
             <a:extLst>
               <a:ext uri="{FF2B5EF4-FFF2-40B4-BE49-F238E27FC236}">
-                <a16:creationId xmlns:a16="http://schemas.microsoft.com/office/drawing/2014/main" id="{0B5C957A-DD16-4A05-8A4E-69B8B0D7F276}"/>
+                <a16:creationId xmlns:a16="http://schemas.microsoft.com/office/drawing/2014/main" id="{BBFAF9C6-4F1E-4B0C-A601-565BA5563F8B}"/>
               </a:ext>
             </a:extLst>
           </p:cNvPr>
-          <p:cNvSpPr>
-            <a:spLocks noGrp="1"/>
-          </p:cNvSpPr>
+          <p:cNvPicPr>
+            <a:picLocks noGrp="1" noChangeAspect="1"/>
+          </p:cNvPicPr>
           <p:nvPr>
             <p:ph idx="1"/>
           </p:nvPr>
-        </p:nvSpPr>
-        <p:spPr/>
-        <p:txBody>
-          <a:bodyPr/>
-          <a:lstStyle/>
-          <a:p>
-            <a:pPr marL="0" indent="0">
-              <a:buNone/>
-            </a:pPr>
-            <a:endParaRPr lang="en-GB" dirty="0">
-              <a:latin typeface="Helvetica" panose="020B0604020202020204" pitchFamily="34" charset="0"/>
-              <a:cs typeface="Helvetica" panose="020B0604020202020204" pitchFamily="34" charset="0"/>
-            </a:endParaRPr>
-          </a:p>
-        </p:txBody>
-      </p:sp>
+        </p:nvPicPr>
+        <p:blipFill>
+          <a:blip r:embed="rId2"/>
+          <a:stretch>
+            <a:fillRect/>
+          </a:stretch>
+        </p:blipFill>
+        <p:spPr>
+          <a:xfrm>
+            <a:off x="2867906" y="1846263"/>
+            <a:ext cx="3452638" cy="4022725"/>
+          </a:xfrm>
+          <a:prstGeom prst="rect">
+            <a:avLst/>
+          </a:prstGeom>
+        </p:spPr>
+      </p:pic>
       <p:sp>
         <p:nvSpPr>
           <p:cNvPr id="4" name="Dátum helye 3">
@@ -4558,37 +4732,13 @@
           <a:bodyPr/>
           <a:lstStyle/>
           <a:p>
-            <a:endParaRPr lang="en-GB" dirty="0">
-              <a:latin typeface="Helvetica" panose="020B0604020202020204" pitchFamily="34" charset="0"/>
-              <a:cs typeface="Helvetica" panose="020B0604020202020204" pitchFamily="34" charset="0"/>
-            </a:endParaRPr>
-          </a:p>
-        </p:txBody>
-      </p:sp>
-      <p:sp>
-        <p:nvSpPr>
-          <p:cNvPr id="3" name="Tartalom helye 2">
-            <a:extLst>
-              <a:ext uri="{FF2B5EF4-FFF2-40B4-BE49-F238E27FC236}">
-                <a16:creationId xmlns:a16="http://schemas.microsoft.com/office/drawing/2014/main" id="{0B5C957A-DD16-4A05-8A4E-69B8B0D7F276}"/>
-              </a:ext>
-            </a:extLst>
-          </p:cNvPr>
-          <p:cNvSpPr>
-            <a:spLocks noGrp="1"/>
-          </p:cNvSpPr>
-          <p:nvPr>
-            <p:ph idx="1"/>
-          </p:nvPr>
-        </p:nvSpPr>
-        <p:spPr/>
-        <p:txBody>
-          <a:bodyPr/>
-          <a:lstStyle/>
-          <a:p>
-            <a:pPr marL="0" indent="0">
-              <a:buNone/>
-            </a:pPr>
+            <a:r>
+              <a:rPr lang="hu-HU" dirty="0">
+                <a:latin typeface="Helvetica" panose="020B0604020202020204" pitchFamily="34" charset="0"/>
+                <a:cs typeface="Helvetica" panose="020B0604020202020204" pitchFamily="34" charset="0"/>
+              </a:rPr>
+              <a:t>App structure</a:t>
+            </a:r>
             <a:endParaRPr lang="en-GB" dirty="0">
               <a:latin typeface="Helvetica" panose="020B0604020202020204" pitchFamily="34" charset="0"/>
               <a:cs typeface="Helvetica" panose="020B0604020202020204" pitchFamily="34" charset="0"/>
@@ -4681,10 +4831,102 @@
           </a:p>
         </p:txBody>
       </p:sp>
+      <p:pic>
+        <p:nvPicPr>
+          <p:cNvPr id="7" name="Tartalom helye 6">
+            <a:extLst>
+              <a:ext uri="{FF2B5EF4-FFF2-40B4-BE49-F238E27FC236}">
+                <a16:creationId xmlns:a16="http://schemas.microsoft.com/office/drawing/2014/main" id="{44A5F4EF-2569-4460-9909-26763C1646C1}"/>
+              </a:ext>
+            </a:extLst>
+          </p:cNvPr>
+          <p:cNvPicPr>
+            <a:picLocks noGrp="1" noChangeAspect="1"/>
+          </p:cNvPicPr>
+          <p:nvPr>
+            <p:ph idx="1"/>
+          </p:nvPr>
+        </p:nvPicPr>
+        <p:blipFill>
+          <a:blip r:embed="rId2"/>
+          <a:stretch>
+            <a:fillRect/>
+          </a:stretch>
+        </p:blipFill>
+        <p:spPr>
+          <a:xfrm>
+            <a:off x="822960" y="1841148"/>
+            <a:ext cx="3257550" cy="1504950"/>
+          </a:xfrm>
+          <a:prstGeom prst="rect">
+            <a:avLst/>
+          </a:prstGeom>
+        </p:spPr>
+      </p:pic>
+      <p:pic>
+        <p:nvPicPr>
+          <p:cNvPr id="8" name="Kép 7">
+            <a:extLst>
+              <a:ext uri="{FF2B5EF4-FFF2-40B4-BE49-F238E27FC236}">
+                <a16:creationId xmlns:a16="http://schemas.microsoft.com/office/drawing/2014/main" id="{DD36F1F8-9E59-4FBF-9D4D-66F1F75EF017}"/>
+              </a:ext>
+            </a:extLst>
+          </p:cNvPr>
+          <p:cNvPicPr>
+            <a:picLocks noChangeAspect="1"/>
+          </p:cNvPicPr>
+          <p:nvPr/>
+        </p:nvPicPr>
+        <p:blipFill>
+          <a:blip r:embed="rId3"/>
+          <a:stretch>
+            <a:fillRect/>
+          </a:stretch>
+        </p:blipFill>
+        <p:spPr>
+          <a:xfrm>
+            <a:off x="4437438" y="1841148"/>
+            <a:ext cx="3971925" cy="1400175"/>
+          </a:xfrm>
+          <a:prstGeom prst="rect">
+            <a:avLst/>
+          </a:prstGeom>
+        </p:spPr>
+      </p:pic>
+      <p:pic>
+        <p:nvPicPr>
+          <p:cNvPr id="9" name="Kép 8">
+            <a:extLst>
+              <a:ext uri="{FF2B5EF4-FFF2-40B4-BE49-F238E27FC236}">
+                <a16:creationId xmlns:a16="http://schemas.microsoft.com/office/drawing/2014/main" id="{AB69D9C9-5DB9-4FA8-93F8-74F2A480891A}"/>
+              </a:ext>
+            </a:extLst>
+          </p:cNvPr>
+          <p:cNvPicPr>
+            <a:picLocks noChangeAspect="1"/>
+          </p:cNvPicPr>
+          <p:nvPr/>
+        </p:nvPicPr>
+        <p:blipFill>
+          <a:blip r:embed="rId4"/>
+          <a:stretch>
+            <a:fillRect/>
+          </a:stretch>
+        </p:blipFill>
+        <p:spPr>
+          <a:xfrm>
+            <a:off x="1366988" y="3345110"/>
+            <a:ext cx="6412403" cy="2728682"/>
+          </a:xfrm>
+          <a:prstGeom prst="rect">
+            <a:avLst/>
+          </a:prstGeom>
+        </p:spPr>
+      </p:pic>
     </p:spTree>
     <p:extLst>
       <p:ext uri="{BB962C8B-B14F-4D97-AF65-F5344CB8AC3E}">
-        <p14:creationId xmlns:p14="http://schemas.microsoft.com/office/powerpoint/2010/main" val="736968848"/>
+        <p14:creationId xmlns:p14="http://schemas.microsoft.com/office/powerpoint/2010/main" val="2494531010"/>
       </p:ext>
     </p:extLst>
   </p:cSld>
@@ -4732,37 +4974,13 @@
           <a:bodyPr/>
           <a:lstStyle/>
           <a:p>
-            <a:endParaRPr lang="en-GB" dirty="0">
-              <a:latin typeface="Helvetica" panose="020B0604020202020204" pitchFamily="34" charset="0"/>
-              <a:cs typeface="Helvetica" panose="020B0604020202020204" pitchFamily="34" charset="0"/>
-            </a:endParaRPr>
-          </a:p>
-        </p:txBody>
-      </p:sp>
-      <p:sp>
-        <p:nvSpPr>
-          <p:cNvPr id="3" name="Tartalom helye 2">
-            <a:extLst>
-              <a:ext uri="{FF2B5EF4-FFF2-40B4-BE49-F238E27FC236}">
-                <a16:creationId xmlns:a16="http://schemas.microsoft.com/office/drawing/2014/main" id="{0B5C957A-DD16-4A05-8A4E-69B8B0D7F276}"/>
-              </a:ext>
-            </a:extLst>
-          </p:cNvPr>
-          <p:cNvSpPr>
-            <a:spLocks noGrp="1"/>
-          </p:cNvSpPr>
-          <p:nvPr>
-            <p:ph idx="1"/>
-          </p:nvPr>
-        </p:nvSpPr>
-        <p:spPr/>
-        <p:txBody>
-          <a:bodyPr/>
-          <a:lstStyle/>
-          <a:p>
-            <a:pPr marL="0" indent="0">
-              <a:buNone/>
-            </a:pPr>
+            <a:r>
+              <a:rPr lang="hu-HU" dirty="0">
+                <a:latin typeface="Helvetica" panose="020B0604020202020204" pitchFamily="34" charset="0"/>
+                <a:cs typeface="Helvetica" panose="020B0604020202020204" pitchFamily="34" charset="0"/>
+              </a:rPr>
+              <a:t>Controller</a:t>
+            </a:r>
             <a:endParaRPr lang="en-GB" dirty="0">
               <a:latin typeface="Helvetica" panose="020B0604020202020204" pitchFamily="34" charset="0"/>
               <a:cs typeface="Helvetica" panose="020B0604020202020204" pitchFamily="34" charset="0"/>
@@ -4855,6 +5073,38 @@
           </a:p>
         </p:txBody>
       </p:sp>
+      <p:pic>
+        <p:nvPicPr>
+          <p:cNvPr id="7" name="Tartalom helye 6">
+            <a:extLst>
+              <a:ext uri="{FF2B5EF4-FFF2-40B4-BE49-F238E27FC236}">
+                <a16:creationId xmlns:a16="http://schemas.microsoft.com/office/drawing/2014/main" id="{A3F34724-D261-45F5-BF86-0E0BD6215140}"/>
+              </a:ext>
+            </a:extLst>
+          </p:cNvPr>
+          <p:cNvPicPr>
+            <a:picLocks noGrp="1" noChangeAspect="1"/>
+          </p:cNvPicPr>
+          <p:nvPr>
+            <p:ph idx="1"/>
+          </p:nvPr>
+        </p:nvPicPr>
+        <p:blipFill>
+          <a:blip r:embed="rId2"/>
+          <a:stretch>
+            <a:fillRect/>
+          </a:stretch>
+        </p:blipFill>
+        <p:spPr>
+          <a:xfrm>
+            <a:off x="2660650" y="2009775"/>
+            <a:ext cx="3867150" cy="3695700"/>
+          </a:xfrm>
+          <a:prstGeom prst="rect">
+            <a:avLst/>
+          </a:prstGeom>
+        </p:spPr>
+      </p:pic>
     </p:spTree>
     <p:extLst>
       <p:ext uri="{BB962C8B-B14F-4D97-AF65-F5344CB8AC3E}">
@@ -4906,6 +5156,13 @@
           <a:bodyPr/>
           <a:lstStyle/>
           <a:p>
+            <a:r>
+              <a:rPr lang="hu-HU" dirty="0">
+                <a:latin typeface="Helvetica" panose="020B0604020202020204" pitchFamily="34" charset="0"/>
+                <a:cs typeface="Helvetica" panose="020B0604020202020204" pitchFamily="34" charset="0"/>
+              </a:rPr>
+              <a:t>Todo app after Bootstrap </a:t>
+            </a:r>
             <a:endParaRPr lang="en-GB" dirty="0">
               <a:latin typeface="Helvetica" panose="020B0604020202020204" pitchFamily="34" charset="0"/>
               <a:cs typeface="Helvetica" panose="020B0604020202020204" pitchFamily="34" charset="0"/>
@@ -4931,13 +5188,60 @@
         </p:nvSpPr>
         <p:spPr/>
         <p:txBody>
-          <a:bodyPr/>
+          <a:bodyPr>
+            <a:normAutofit/>
+          </a:bodyPr>
           <a:lstStyle/>
           <a:p>
             <a:pPr marL="0" indent="0">
               <a:buNone/>
             </a:pPr>
-            <a:endParaRPr lang="en-GB" dirty="0">
+            <a:r>
+              <a:rPr lang="hu-HU" sz="3200" dirty="0">
+                <a:latin typeface="Helvetica" panose="020B0604020202020204" pitchFamily="34" charset="0"/>
+                <a:cs typeface="Helvetica" panose="020B0604020202020204" pitchFamily="34" charset="0"/>
+              </a:rPr>
+              <a:t>Bootstrap layout files (cshtml, css) in the background</a:t>
+            </a:r>
+          </a:p>
+          <a:p>
+            <a:pPr marL="0" indent="0">
+              <a:buNone/>
+            </a:pPr>
+            <a:r>
+              <a:rPr lang="hu-HU" sz="3200" dirty="0">
+                <a:latin typeface="Helvetica" panose="020B0604020202020204" pitchFamily="34" charset="0"/>
+                <a:cs typeface="Helvetica" panose="020B0604020202020204" pitchFamily="34" charset="0"/>
+              </a:rPr>
+              <a:t>Device (screen) compatibility feature</a:t>
+            </a:r>
+          </a:p>
+          <a:p>
+            <a:pPr marL="0" indent="0">
+              <a:buNone/>
+            </a:pPr>
+            <a:r>
+              <a:rPr lang="hu-HU" sz="3200" dirty="0">
+                <a:latin typeface="Helvetica" panose="020B0604020202020204" pitchFamily="34" charset="0"/>
+                <a:cs typeface="Helvetica" panose="020B0604020202020204" pitchFamily="34" charset="0"/>
+              </a:rPr>
+              <a:t>Navigation bar update</a:t>
+            </a:r>
+          </a:p>
+          <a:p>
+            <a:pPr marL="0" indent="0">
+              <a:buNone/>
+            </a:pPr>
+            <a:endParaRPr lang="hu-HU" sz="3200" dirty="0">
+              <a:latin typeface="Helvetica" panose="020B0604020202020204" pitchFamily="34" charset="0"/>
+              <a:cs typeface="Helvetica" panose="020B0604020202020204" pitchFamily="34" charset="0"/>
+            </a:endParaRPr>
+          </a:p>
+          <a:p>
+            <a:pPr marL="0" indent="0">
+              <a:buNone/>
+            </a:pPr>
+            <a:endParaRPr lang="en-GB" sz="3200" dirty="0">
               <a:latin typeface="Helvetica" panose="020B0604020202020204" pitchFamily="34" charset="0"/>
               <a:cs typeface="Helvetica" panose="020B0604020202020204" pitchFamily="34" charset="0"/>
             </a:endParaRPr>
@@ -5032,7 +5336,7 @@
     </p:spTree>
     <p:extLst>
       <p:ext uri="{BB962C8B-B14F-4D97-AF65-F5344CB8AC3E}">
-        <p14:creationId xmlns:p14="http://schemas.microsoft.com/office/powerpoint/2010/main" val="3423659770"/>
+        <p14:creationId xmlns:p14="http://schemas.microsoft.com/office/powerpoint/2010/main" val="3855883912"/>
       </p:ext>
     </p:extLst>
   </p:cSld>
@@ -5064,7 +5368,7 @@
           <p:cNvPr id="2" name="Cím 1">
             <a:extLst>
               <a:ext uri="{FF2B5EF4-FFF2-40B4-BE49-F238E27FC236}">
-                <a16:creationId xmlns:a16="http://schemas.microsoft.com/office/drawing/2014/main" id="{15895508-08D8-4699-AB8D-645D11345FAB}"/>
+                <a16:creationId xmlns:a16="http://schemas.microsoft.com/office/drawing/2014/main" id="{BB59E665-C1C5-4E2D-8B9D-9638DE1F544F}"/>
               </a:ext>
             </a:extLst>
           </p:cNvPr>
@@ -5072,25 +5376,22 @@
             <a:spLocks noGrp="1"/>
           </p:cNvSpPr>
           <p:nvPr>
-            <p:ph type="ctrTitle"/>
-          </p:nvPr>
-        </p:nvSpPr>
-        <p:spPr/>
-        <p:txBody>
-          <a:bodyPr>
-            <a:normAutofit/>
-          </a:bodyPr>
-          <a:lstStyle/>
-          <a:p>
-            <a:pPr algn="ctr"/>
-            <a:r>
-              <a:rPr lang="hu-HU" sz="6000" dirty="0">
+            <p:ph type="title"/>
+          </p:nvPr>
+        </p:nvSpPr>
+        <p:spPr/>
+        <p:txBody>
+          <a:bodyPr/>
+          <a:lstStyle/>
+          <a:p>
+            <a:r>
+              <a:rPr lang="hu-HU" dirty="0">
                 <a:latin typeface="Helvetica" panose="020B0604020202020204" pitchFamily="34" charset="0"/>
                 <a:cs typeface="Helvetica" panose="020B0604020202020204" pitchFamily="34" charset="0"/>
               </a:rPr>
-              <a:t>Thanks for the attention!</a:t>
-            </a:r>
-            <a:endParaRPr lang="en-GB" sz="6000" dirty="0">
+              <a:t>App look</a:t>
+            </a:r>
+            <a:endParaRPr lang="en-GB" dirty="0">
               <a:latin typeface="Helvetica" panose="020B0604020202020204" pitchFamily="34" charset="0"/>
               <a:cs typeface="Helvetica" panose="020B0604020202020204" pitchFamily="34" charset="0"/>
             </a:endParaRPr>
@@ -5102,7 +5403,7 @@
           <p:cNvPr id="4" name="Dátum helye 3">
             <a:extLst>
               <a:ext uri="{FF2B5EF4-FFF2-40B4-BE49-F238E27FC236}">
-                <a16:creationId xmlns:a16="http://schemas.microsoft.com/office/drawing/2014/main" id="{AAAEAB81-C74B-4297-88C7-2F65112F7BFD}"/>
+                <a16:creationId xmlns:a16="http://schemas.microsoft.com/office/drawing/2014/main" id="{EABC0116-DCF0-4699-A399-77538F15167C}"/>
               </a:ext>
             </a:extLst>
           </p:cNvPr>
@@ -5130,7 +5431,7 @@
           <p:cNvPr id="5" name="Élőláb helye 4">
             <a:extLst>
               <a:ext uri="{FF2B5EF4-FFF2-40B4-BE49-F238E27FC236}">
-                <a16:creationId xmlns:a16="http://schemas.microsoft.com/office/drawing/2014/main" id="{D4AF9263-4C44-4548-B3D2-C4BBC53A33D4}"/>
+                <a16:creationId xmlns:a16="http://schemas.microsoft.com/office/drawing/2014/main" id="{FE814B42-CD3D-450F-B65C-F1E45D620D23}"/>
               </a:ext>
             </a:extLst>
           </p:cNvPr>
@@ -5158,7 +5459,7 @@
           <p:cNvPr id="6" name="Dia számának helye 5">
             <a:extLst>
               <a:ext uri="{FF2B5EF4-FFF2-40B4-BE49-F238E27FC236}">
-                <a16:creationId xmlns:a16="http://schemas.microsoft.com/office/drawing/2014/main" id="{54AE2EE5-086B-4120-A7A6-DB22ECFCE7E8}"/>
+                <a16:creationId xmlns:a16="http://schemas.microsoft.com/office/drawing/2014/main" id="{C2F6FB0D-29A5-4C47-8B1F-FB7F6EAC3D45}"/>
               </a:ext>
             </a:extLst>
           </p:cNvPr>
@@ -5182,10 +5483,638 @@
           </a:p>
         </p:txBody>
       </p:sp>
+      <p:pic>
+        <p:nvPicPr>
+          <p:cNvPr id="9" name="Kép 8">
+            <a:extLst>
+              <a:ext uri="{FF2B5EF4-FFF2-40B4-BE49-F238E27FC236}">
+                <a16:creationId xmlns:a16="http://schemas.microsoft.com/office/drawing/2014/main" id="{207A233B-CF54-4D55-8D0D-5429943FE0B3}"/>
+              </a:ext>
+            </a:extLst>
+          </p:cNvPr>
+          <p:cNvPicPr>
+            <a:picLocks noChangeAspect="1"/>
+          </p:cNvPicPr>
+          <p:nvPr/>
+        </p:nvPicPr>
+        <p:blipFill>
+          <a:blip r:embed="rId2"/>
+          <a:stretch>
+            <a:fillRect/>
+          </a:stretch>
+        </p:blipFill>
+        <p:spPr>
+          <a:xfrm>
+            <a:off x="1747672" y="1856385"/>
+            <a:ext cx="5648656" cy="4274856"/>
+          </a:xfrm>
+          <a:prstGeom prst="rect">
+            <a:avLst/>
+          </a:prstGeom>
+        </p:spPr>
+      </p:pic>
     </p:spTree>
     <p:extLst>
       <p:ext uri="{BB962C8B-B14F-4D97-AF65-F5344CB8AC3E}">
-        <p14:creationId xmlns:p14="http://schemas.microsoft.com/office/powerpoint/2010/main" val="3775272780"/>
+        <p14:creationId xmlns:p14="http://schemas.microsoft.com/office/powerpoint/2010/main" val="3444785292"/>
+      </p:ext>
+    </p:extLst>
+  </p:cSld>
+  <p:clrMapOvr>
+    <a:masterClrMapping/>
+  </p:clrMapOvr>
+</p:sld>
+</file>
+
+<file path=ppt/slides/slide7.xml><?xml version="1.0" encoding="utf-8"?>
+<p:sld xmlns:a="http://schemas.openxmlformats.org/drawingml/2006/main" xmlns:r="http://schemas.openxmlformats.org/officeDocument/2006/relationships" xmlns:p="http://schemas.openxmlformats.org/presentationml/2006/main">
+  <p:cSld>
+    <p:spTree>
+      <p:nvGrpSpPr>
+        <p:cNvPr id="1" name=""/>
+        <p:cNvGrpSpPr/>
+        <p:nvPr/>
+      </p:nvGrpSpPr>
+      <p:grpSpPr>
+        <a:xfrm>
+          <a:off x="0" y="0"/>
+          <a:ext cx="0" cy="0"/>
+          <a:chOff x="0" y="0"/>
+          <a:chExt cx="0" cy="0"/>
+        </a:xfrm>
+      </p:grpSpPr>
+      <p:sp>
+        <p:nvSpPr>
+          <p:cNvPr id="2" name="Cím 1">
+            <a:extLst>
+              <a:ext uri="{FF2B5EF4-FFF2-40B4-BE49-F238E27FC236}">
+                <a16:creationId xmlns:a16="http://schemas.microsoft.com/office/drawing/2014/main" id="{BB59E665-C1C5-4E2D-8B9D-9638DE1F544F}"/>
+              </a:ext>
+            </a:extLst>
+          </p:cNvPr>
+          <p:cNvSpPr>
+            <a:spLocks noGrp="1"/>
+          </p:cNvSpPr>
+          <p:nvPr>
+            <p:ph type="title"/>
+          </p:nvPr>
+        </p:nvSpPr>
+        <p:spPr/>
+        <p:txBody>
+          <a:bodyPr/>
+          <a:lstStyle/>
+          <a:p>
+            <a:r>
+              <a:rPr lang="hu-HU" dirty="0">
+                <a:latin typeface="Helvetica" panose="020B0604020202020204" pitchFamily="34" charset="0"/>
+                <a:cs typeface="Helvetica" panose="020B0604020202020204" pitchFamily="34" charset="0"/>
+              </a:rPr>
+              <a:t>Modified listing view page</a:t>
+            </a:r>
+            <a:endParaRPr lang="en-GB" dirty="0">
+              <a:latin typeface="Helvetica" panose="020B0604020202020204" pitchFamily="34" charset="0"/>
+              <a:cs typeface="Helvetica" panose="020B0604020202020204" pitchFamily="34" charset="0"/>
+            </a:endParaRPr>
+          </a:p>
+        </p:txBody>
+      </p:sp>
+      <p:sp>
+        <p:nvSpPr>
+          <p:cNvPr id="4" name="Dátum helye 3">
+            <a:extLst>
+              <a:ext uri="{FF2B5EF4-FFF2-40B4-BE49-F238E27FC236}">
+                <a16:creationId xmlns:a16="http://schemas.microsoft.com/office/drawing/2014/main" id="{EABC0116-DCF0-4699-A399-77538F15167C}"/>
+              </a:ext>
+            </a:extLst>
+          </p:cNvPr>
+          <p:cNvSpPr>
+            <a:spLocks noGrp="1"/>
+          </p:cNvSpPr>
+          <p:nvPr>
+            <p:ph type="dt" sz="half" idx="10"/>
+          </p:nvPr>
+        </p:nvSpPr>
+        <p:spPr/>
+        <p:txBody>
+          <a:bodyPr/>
+          <a:lstStyle/>
+          <a:p>
+            <a:r>
+              <a:rPr lang="en-GB"/>
+              <a:t>10/11/2017</a:t>
+            </a:r>
+          </a:p>
+        </p:txBody>
+      </p:sp>
+      <p:sp>
+        <p:nvSpPr>
+          <p:cNvPr id="5" name="Élőláb helye 4">
+            <a:extLst>
+              <a:ext uri="{FF2B5EF4-FFF2-40B4-BE49-F238E27FC236}">
+                <a16:creationId xmlns:a16="http://schemas.microsoft.com/office/drawing/2014/main" id="{FE814B42-CD3D-450F-B65C-F1E45D620D23}"/>
+              </a:ext>
+            </a:extLst>
+          </p:cNvPr>
+          <p:cNvSpPr>
+            <a:spLocks noGrp="1"/>
+          </p:cNvSpPr>
+          <p:nvPr>
+            <p:ph type="ftr" sz="quarter" idx="11"/>
+          </p:nvPr>
+        </p:nvSpPr>
+        <p:spPr/>
+        <p:txBody>
+          <a:bodyPr/>
+          <a:lstStyle/>
+          <a:p>
+            <a:r>
+              <a:rPr lang="en-GB"/>
+              <a:t>Boldizsár Kiss</a:t>
+            </a:r>
+          </a:p>
+        </p:txBody>
+      </p:sp>
+      <p:sp>
+        <p:nvSpPr>
+          <p:cNvPr id="6" name="Dia számának helye 5">
+            <a:extLst>
+              <a:ext uri="{FF2B5EF4-FFF2-40B4-BE49-F238E27FC236}">
+                <a16:creationId xmlns:a16="http://schemas.microsoft.com/office/drawing/2014/main" id="{C2F6FB0D-29A5-4C47-8B1F-FB7F6EAC3D45}"/>
+              </a:ext>
+            </a:extLst>
+          </p:cNvPr>
+          <p:cNvSpPr>
+            <a:spLocks noGrp="1"/>
+          </p:cNvSpPr>
+          <p:nvPr>
+            <p:ph type="sldNum" sz="quarter" idx="12"/>
+          </p:nvPr>
+        </p:nvSpPr>
+        <p:spPr/>
+        <p:txBody>
+          <a:bodyPr/>
+          <a:lstStyle/>
+          <a:p>
+            <a:fld id="{5829821E-BD30-46A1-96CA-CB2E0BA9CE27}" type="slidenum">
+              <a:rPr lang="en-GB" smtClean="0"/>
+              <a:t>7</a:t>
+            </a:fld>
+            <a:endParaRPr lang="en-GB"/>
+          </a:p>
+        </p:txBody>
+      </p:sp>
+      <p:pic>
+        <p:nvPicPr>
+          <p:cNvPr id="7" name="Kép 6">
+            <a:extLst>
+              <a:ext uri="{FF2B5EF4-FFF2-40B4-BE49-F238E27FC236}">
+                <a16:creationId xmlns:a16="http://schemas.microsoft.com/office/drawing/2014/main" id="{A61CED7C-3974-408F-8899-4EEAF1564761}"/>
+              </a:ext>
+            </a:extLst>
+          </p:cNvPr>
+          <p:cNvPicPr>
+            <a:picLocks noChangeAspect="1"/>
+          </p:cNvPicPr>
+          <p:nvPr/>
+        </p:nvPicPr>
+        <p:blipFill>
+          <a:blip r:embed="rId2"/>
+          <a:stretch>
+            <a:fillRect/>
+          </a:stretch>
+        </p:blipFill>
+        <p:spPr>
+          <a:xfrm>
+            <a:off x="1201622" y="1832292"/>
+            <a:ext cx="6740756" cy="4338686"/>
+          </a:xfrm>
+          <a:prstGeom prst="rect">
+            <a:avLst/>
+          </a:prstGeom>
+        </p:spPr>
+      </p:pic>
+    </p:spTree>
+    <p:extLst>
+      <p:ext uri="{BB962C8B-B14F-4D97-AF65-F5344CB8AC3E}">
+        <p14:creationId xmlns:p14="http://schemas.microsoft.com/office/powerpoint/2010/main" val="1274658140"/>
+      </p:ext>
+    </p:extLst>
+  </p:cSld>
+  <p:clrMapOvr>
+    <a:masterClrMapping/>
+  </p:clrMapOvr>
+</p:sld>
+</file>
+
+<file path=ppt/slides/slide8.xml><?xml version="1.0" encoding="utf-8"?>
+<p:sld xmlns:a="http://schemas.openxmlformats.org/drawingml/2006/main" xmlns:r="http://schemas.openxmlformats.org/officeDocument/2006/relationships" xmlns:p="http://schemas.openxmlformats.org/presentationml/2006/main">
+  <p:cSld>
+    <p:spTree>
+      <p:nvGrpSpPr>
+        <p:cNvPr id="1" name=""/>
+        <p:cNvGrpSpPr/>
+        <p:nvPr/>
+      </p:nvGrpSpPr>
+      <p:grpSpPr>
+        <a:xfrm>
+          <a:off x="0" y="0"/>
+          <a:ext cx="0" cy="0"/>
+          <a:chOff x="0" y="0"/>
+          <a:chExt cx="0" cy="0"/>
+        </a:xfrm>
+      </p:grpSpPr>
+      <p:sp>
+        <p:nvSpPr>
+          <p:cNvPr id="2" name="Cím 1">
+            <a:extLst>
+              <a:ext uri="{FF2B5EF4-FFF2-40B4-BE49-F238E27FC236}">
+                <a16:creationId xmlns:a16="http://schemas.microsoft.com/office/drawing/2014/main" id="{BB59E665-C1C5-4E2D-8B9D-9638DE1F544F}"/>
+              </a:ext>
+            </a:extLst>
+          </p:cNvPr>
+          <p:cNvSpPr>
+            <a:spLocks noGrp="1"/>
+          </p:cNvSpPr>
+          <p:nvPr>
+            <p:ph type="title"/>
+          </p:nvPr>
+        </p:nvSpPr>
+        <p:spPr/>
+        <p:txBody>
+          <a:bodyPr/>
+          <a:lstStyle/>
+          <a:p>
+            <a:r>
+              <a:rPr lang="hu-HU" dirty="0">
+                <a:latin typeface="Helvetica" panose="020B0604020202020204" pitchFamily="34" charset="0"/>
+                <a:cs typeface="Helvetica" panose="020B0604020202020204" pitchFamily="34" charset="0"/>
+              </a:rPr>
+              <a:t>Common layout page</a:t>
+            </a:r>
+            <a:endParaRPr lang="en-GB" dirty="0">
+              <a:latin typeface="Helvetica" panose="020B0604020202020204" pitchFamily="34" charset="0"/>
+              <a:cs typeface="Helvetica" panose="020B0604020202020204" pitchFamily="34" charset="0"/>
+            </a:endParaRPr>
+          </a:p>
+        </p:txBody>
+      </p:sp>
+      <p:sp>
+        <p:nvSpPr>
+          <p:cNvPr id="4" name="Dátum helye 3">
+            <a:extLst>
+              <a:ext uri="{FF2B5EF4-FFF2-40B4-BE49-F238E27FC236}">
+                <a16:creationId xmlns:a16="http://schemas.microsoft.com/office/drawing/2014/main" id="{EABC0116-DCF0-4699-A399-77538F15167C}"/>
+              </a:ext>
+            </a:extLst>
+          </p:cNvPr>
+          <p:cNvSpPr>
+            <a:spLocks noGrp="1"/>
+          </p:cNvSpPr>
+          <p:nvPr>
+            <p:ph type="dt" sz="half" idx="10"/>
+          </p:nvPr>
+        </p:nvSpPr>
+        <p:spPr/>
+        <p:txBody>
+          <a:bodyPr/>
+          <a:lstStyle/>
+          <a:p>
+            <a:r>
+              <a:rPr lang="en-GB"/>
+              <a:t>10/11/2017</a:t>
+            </a:r>
+          </a:p>
+        </p:txBody>
+      </p:sp>
+      <p:sp>
+        <p:nvSpPr>
+          <p:cNvPr id="5" name="Élőláb helye 4">
+            <a:extLst>
+              <a:ext uri="{FF2B5EF4-FFF2-40B4-BE49-F238E27FC236}">
+                <a16:creationId xmlns:a16="http://schemas.microsoft.com/office/drawing/2014/main" id="{FE814B42-CD3D-450F-B65C-F1E45D620D23}"/>
+              </a:ext>
+            </a:extLst>
+          </p:cNvPr>
+          <p:cNvSpPr>
+            <a:spLocks noGrp="1"/>
+          </p:cNvSpPr>
+          <p:nvPr>
+            <p:ph type="ftr" sz="quarter" idx="11"/>
+          </p:nvPr>
+        </p:nvSpPr>
+        <p:spPr/>
+        <p:txBody>
+          <a:bodyPr/>
+          <a:lstStyle/>
+          <a:p>
+            <a:r>
+              <a:rPr lang="en-GB"/>
+              <a:t>Boldizsár Kiss</a:t>
+            </a:r>
+          </a:p>
+        </p:txBody>
+      </p:sp>
+      <p:sp>
+        <p:nvSpPr>
+          <p:cNvPr id="6" name="Dia számának helye 5">
+            <a:extLst>
+              <a:ext uri="{FF2B5EF4-FFF2-40B4-BE49-F238E27FC236}">
+                <a16:creationId xmlns:a16="http://schemas.microsoft.com/office/drawing/2014/main" id="{C2F6FB0D-29A5-4C47-8B1F-FB7F6EAC3D45}"/>
+              </a:ext>
+            </a:extLst>
+          </p:cNvPr>
+          <p:cNvSpPr>
+            <a:spLocks noGrp="1"/>
+          </p:cNvSpPr>
+          <p:nvPr>
+            <p:ph type="sldNum" sz="quarter" idx="12"/>
+          </p:nvPr>
+        </p:nvSpPr>
+        <p:spPr/>
+        <p:txBody>
+          <a:bodyPr/>
+          <a:lstStyle/>
+          <a:p>
+            <a:fld id="{5829821E-BD30-46A1-96CA-CB2E0BA9CE27}" type="slidenum">
+              <a:rPr lang="en-GB" smtClean="0"/>
+              <a:t>8</a:t>
+            </a:fld>
+            <a:endParaRPr lang="en-GB"/>
+          </a:p>
+        </p:txBody>
+      </p:sp>
+      <p:pic>
+        <p:nvPicPr>
+          <p:cNvPr id="3" name="Kép 2">
+            <a:extLst>
+              <a:ext uri="{FF2B5EF4-FFF2-40B4-BE49-F238E27FC236}">
+                <a16:creationId xmlns:a16="http://schemas.microsoft.com/office/drawing/2014/main" id="{2C9A3CC5-7F2C-4C04-B0FD-CB3F3E51E534}"/>
+              </a:ext>
+            </a:extLst>
+          </p:cNvPr>
+          <p:cNvPicPr>
+            <a:picLocks noChangeAspect="1"/>
+          </p:cNvPicPr>
+          <p:nvPr/>
+        </p:nvPicPr>
+        <p:blipFill>
+          <a:blip r:embed="rId2"/>
+          <a:stretch>
+            <a:fillRect/>
+          </a:stretch>
+        </p:blipFill>
+        <p:spPr>
+          <a:xfrm>
+            <a:off x="1864777" y="1841207"/>
+            <a:ext cx="5414445" cy="4317031"/>
+          </a:xfrm>
+          <a:prstGeom prst="rect">
+            <a:avLst/>
+          </a:prstGeom>
+        </p:spPr>
+      </p:pic>
+    </p:spTree>
+    <p:extLst>
+      <p:ext uri="{BB962C8B-B14F-4D97-AF65-F5344CB8AC3E}">
+        <p14:creationId xmlns:p14="http://schemas.microsoft.com/office/powerpoint/2010/main" val="789377210"/>
+      </p:ext>
+    </p:extLst>
+  </p:cSld>
+  <p:clrMapOvr>
+    <a:masterClrMapping/>
+  </p:clrMapOvr>
+</p:sld>
+</file>
+
+<file path=ppt/slides/slide9.xml><?xml version="1.0" encoding="utf-8"?>
+<p:sld xmlns:a="http://schemas.openxmlformats.org/drawingml/2006/main" xmlns:r="http://schemas.openxmlformats.org/officeDocument/2006/relationships" xmlns:p="http://schemas.openxmlformats.org/presentationml/2006/main">
+  <p:cSld>
+    <p:spTree>
+      <p:nvGrpSpPr>
+        <p:cNvPr id="1" name=""/>
+        <p:cNvGrpSpPr/>
+        <p:nvPr/>
+      </p:nvGrpSpPr>
+      <p:grpSpPr>
+        <a:xfrm>
+          <a:off x="0" y="0"/>
+          <a:ext cx="0" cy="0"/>
+          <a:chOff x="0" y="0"/>
+          <a:chExt cx="0" cy="0"/>
+        </a:xfrm>
+      </p:grpSpPr>
+      <p:sp>
+        <p:nvSpPr>
+          <p:cNvPr id="2" name="Cím 1">
+            <a:extLst>
+              <a:ext uri="{FF2B5EF4-FFF2-40B4-BE49-F238E27FC236}">
+                <a16:creationId xmlns:a16="http://schemas.microsoft.com/office/drawing/2014/main" id="{BB59E665-C1C5-4E2D-8B9D-9638DE1F544F}"/>
+              </a:ext>
+            </a:extLst>
+          </p:cNvPr>
+          <p:cNvSpPr>
+            <a:spLocks noGrp="1"/>
+          </p:cNvSpPr>
+          <p:nvPr>
+            <p:ph type="title"/>
+          </p:nvPr>
+        </p:nvSpPr>
+        <p:spPr/>
+        <p:txBody>
+          <a:bodyPr/>
+          <a:lstStyle/>
+          <a:p>
+            <a:r>
+              <a:rPr lang="hu-HU" dirty="0">
+                <a:latin typeface="Helvetica" panose="020B0604020202020204" pitchFamily="34" charset="0"/>
+                <a:cs typeface="Helvetica" panose="020B0604020202020204" pitchFamily="34" charset="0"/>
+              </a:rPr>
+              <a:t>Future plans</a:t>
+            </a:r>
+            <a:endParaRPr lang="en-GB" dirty="0">
+              <a:latin typeface="Helvetica" panose="020B0604020202020204" pitchFamily="34" charset="0"/>
+              <a:cs typeface="Helvetica" panose="020B0604020202020204" pitchFamily="34" charset="0"/>
+            </a:endParaRPr>
+          </a:p>
+        </p:txBody>
+      </p:sp>
+      <p:sp>
+        <p:nvSpPr>
+          <p:cNvPr id="3" name="Tartalom helye 2">
+            <a:extLst>
+              <a:ext uri="{FF2B5EF4-FFF2-40B4-BE49-F238E27FC236}">
+                <a16:creationId xmlns:a16="http://schemas.microsoft.com/office/drawing/2014/main" id="{0B5C957A-DD16-4A05-8A4E-69B8B0D7F276}"/>
+              </a:ext>
+            </a:extLst>
+          </p:cNvPr>
+          <p:cNvSpPr>
+            <a:spLocks noGrp="1"/>
+          </p:cNvSpPr>
+          <p:nvPr>
+            <p:ph idx="1"/>
+          </p:nvPr>
+        </p:nvSpPr>
+        <p:spPr/>
+        <p:txBody>
+          <a:bodyPr>
+            <a:normAutofit/>
+          </a:bodyPr>
+          <a:lstStyle/>
+          <a:p>
+            <a:pPr marL="0" indent="0">
+              <a:buNone/>
+            </a:pPr>
+            <a:r>
+              <a:rPr lang="hu-HU" sz="3200" dirty="0">
+                <a:latin typeface="Helvetica" panose="020B0604020202020204" pitchFamily="34" charset="0"/>
+                <a:cs typeface="Helvetica" panose="020B0604020202020204" pitchFamily="34" charset="0"/>
+              </a:rPr>
+              <a:t>Adding much more Bootstrap features</a:t>
+            </a:r>
+          </a:p>
+          <a:p>
+            <a:pPr marL="0" indent="0">
+              <a:buNone/>
+            </a:pPr>
+            <a:r>
+              <a:rPr lang="hu-HU" sz="3200">
+                <a:latin typeface="Helvetica" panose="020B0604020202020204" pitchFamily="34" charset="0"/>
+                <a:cs typeface="Helvetica" panose="020B0604020202020204" pitchFamily="34" charset="0"/>
+              </a:rPr>
+              <a:t>Registering the todos </a:t>
+            </a:r>
+            <a:r>
+              <a:rPr lang="hu-HU" sz="3200" dirty="0">
+                <a:latin typeface="Helvetica" panose="020B0604020202020204" pitchFamily="34" charset="0"/>
+                <a:cs typeface="Helvetica" panose="020B0604020202020204" pitchFamily="34" charset="0"/>
+              </a:rPr>
+              <a:t>by different users</a:t>
+            </a:r>
+          </a:p>
+          <a:p>
+            <a:pPr marL="0" indent="0">
+              <a:buNone/>
+            </a:pPr>
+            <a:r>
+              <a:rPr lang="hu-HU" sz="3200" dirty="0">
+                <a:latin typeface="Helvetica" panose="020B0604020202020204" pitchFamily="34" charset="0"/>
+                <a:cs typeface="Helvetica" panose="020B0604020202020204" pitchFamily="34" charset="0"/>
+              </a:rPr>
+              <a:t>Adding custom sorting possibilities</a:t>
+            </a:r>
+          </a:p>
+          <a:p>
+            <a:pPr marL="0" indent="0">
+              <a:buNone/>
+            </a:pPr>
+            <a:r>
+              <a:rPr lang="hu-HU" sz="3200" dirty="0">
+                <a:latin typeface="Helvetica" panose="020B0604020202020204" pitchFamily="34" charset="0"/>
+                <a:cs typeface="Helvetica" panose="020B0604020202020204" pitchFamily="34" charset="0"/>
+              </a:rPr>
+              <a:t>Adding more attributes</a:t>
+            </a:r>
+          </a:p>
+          <a:p>
+            <a:pPr marL="0" indent="0">
+              <a:buNone/>
+            </a:pPr>
+            <a:endParaRPr lang="en-GB" sz="3200" dirty="0">
+              <a:latin typeface="Helvetica" panose="020B0604020202020204" pitchFamily="34" charset="0"/>
+              <a:cs typeface="Helvetica" panose="020B0604020202020204" pitchFamily="34" charset="0"/>
+            </a:endParaRPr>
+          </a:p>
+        </p:txBody>
+      </p:sp>
+      <p:sp>
+        <p:nvSpPr>
+          <p:cNvPr id="4" name="Dátum helye 3">
+            <a:extLst>
+              <a:ext uri="{FF2B5EF4-FFF2-40B4-BE49-F238E27FC236}">
+                <a16:creationId xmlns:a16="http://schemas.microsoft.com/office/drawing/2014/main" id="{EABC0116-DCF0-4699-A399-77538F15167C}"/>
+              </a:ext>
+            </a:extLst>
+          </p:cNvPr>
+          <p:cNvSpPr>
+            <a:spLocks noGrp="1"/>
+          </p:cNvSpPr>
+          <p:nvPr>
+            <p:ph type="dt" sz="half" idx="10"/>
+          </p:nvPr>
+        </p:nvSpPr>
+        <p:spPr/>
+        <p:txBody>
+          <a:bodyPr/>
+          <a:lstStyle/>
+          <a:p>
+            <a:r>
+              <a:rPr lang="en-GB"/>
+              <a:t>10/11/2017</a:t>
+            </a:r>
+          </a:p>
+        </p:txBody>
+      </p:sp>
+      <p:sp>
+        <p:nvSpPr>
+          <p:cNvPr id="5" name="Élőláb helye 4">
+            <a:extLst>
+              <a:ext uri="{FF2B5EF4-FFF2-40B4-BE49-F238E27FC236}">
+                <a16:creationId xmlns:a16="http://schemas.microsoft.com/office/drawing/2014/main" id="{FE814B42-CD3D-450F-B65C-F1E45D620D23}"/>
+              </a:ext>
+            </a:extLst>
+          </p:cNvPr>
+          <p:cNvSpPr>
+            <a:spLocks noGrp="1"/>
+          </p:cNvSpPr>
+          <p:nvPr>
+            <p:ph type="ftr" sz="quarter" idx="11"/>
+          </p:nvPr>
+        </p:nvSpPr>
+        <p:spPr/>
+        <p:txBody>
+          <a:bodyPr/>
+          <a:lstStyle/>
+          <a:p>
+            <a:r>
+              <a:rPr lang="en-GB"/>
+              <a:t>Boldizsár Kiss</a:t>
+            </a:r>
+          </a:p>
+        </p:txBody>
+      </p:sp>
+      <p:sp>
+        <p:nvSpPr>
+          <p:cNvPr id="6" name="Dia számának helye 5">
+            <a:extLst>
+              <a:ext uri="{FF2B5EF4-FFF2-40B4-BE49-F238E27FC236}">
+                <a16:creationId xmlns:a16="http://schemas.microsoft.com/office/drawing/2014/main" id="{C2F6FB0D-29A5-4C47-8B1F-FB7F6EAC3D45}"/>
+              </a:ext>
+            </a:extLst>
+          </p:cNvPr>
+          <p:cNvSpPr>
+            <a:spLocks noGrp="1"/>
+          </p:cNvSpPr>
+          <p:nvPr>
+            <p:ph type="sldNum" sz="quarter" idx="12"/>
+          </p:nvPr>
+        </p:nvSpPr>
+        <p:spPr/>
+        <p:txBody>
+          <a:bodyPr/>
+          <a:lstStyle/>
+          <a:p>
+            <a:fld id="{5829821E-BD30-46A1-96CA-CB2E0BA9CE27}" type="slidenum">
+              <a:rPr lang="en-GB" smtClean="0"/>
+              <a:t>9</a:t>
+            </a:fld>
+            <a:endParaRPr lang="en-GB"/>
+          </a:p>
+        </p:txBody>
+      </p:sp>
+    </p:spTree>
+    <p:extLst>
+      <p:ext uri="{BB962C8B-B14F-4D97-AF65-F5344CB8AC3E}">
+        <p14:creationId xmlns:p14="http://schemas.microsoft.com/office/powerpoint/2010/main" val="235763873"/>
       </p:ext>
     </p:extLst>
   </p:cSld>

--- a/week09/day05/demo/ppt-w09.pptx
+++ b/week09/day05/demo/ppt-w09.pptx
@@ -5977,18 +5977,11 @@
               <a:buNone/>
             </a:pPr>
             <a:r>
-              <a:rPr lang="hu-HU" sz="3200">
-                <a:latin typeface="Helvetica" panose="020B0604020202020204" pitchFamily="34" charset="0"/>
-                <a:cs typeface="Helvetica" panose="020B0604020202020204" pitchFamily="34" charset="0"/>
-              </a:rPr>
-              <a:t>Registering the todos </a:t>
-            </a:r>
-            <a:r>
               <a:rPr lang="hu-HU" sz="3200" dirty="0">
                 <a:latin typeface="Helvetica" panose="020B0604020202020204" pitchFamily="34" charset="0"/>
                 <a:cs typeface="Helvetica" panose="020B0604020202020204" pitchFamily="34" charset="0"/>
               </a:rPr>
-              <a:t>by different users</a:t>
+              <a:t>Registering the todos by different users</a:t>
             </a:r>
           </a:p>
           <a:p>
